--- a/RAP Unmanaged Query/UnmanagedQuery.pptx
+++ b/RAP Unmanaged Query/UnmanagedQuery.pptx
@@ -8,9 +8,15 @@
     <p:sldId id="256" r:id="rId2"/>
     <p:sldId id="260" r:id="rId3"/>
     <p:sldId id="261" r:id="rId4"/>
-    <p:sldId id="257" r:id="rId5"/>
-    <p:sldId id="258" r:id="rId6"/>
-    <p:sldId id="259" r:id="rId7"/>
+    <p:sldId id="263" r:id="rId5"/>
+    <p:sldId id="264" r:id="rId6"/>
+    <p:sldId id="265" r:id="rId7"/>
+    <p:sldId id="266" r:id="rId8"/>
+    <p:sldId id="267" r:id="rId9"/>
+    <p:sldId id="257" r:id="rId10"/>
+    <p:sldId id="258" r:id="rId11"/>
+    <p:sldId id="259" r:id="rId12"/>
+    <p:sldId id="262" r:id="rId13"/>
   </p:sldIdLst>
   <p:sldSz cx="12192000" cy="6858000"/>
   <p:notesSz cx="6858000" cy="9144000"/>
@@ -3400,6 +3406,457 @@
 </p:sld>
 </file>
 
+<file path=ppt/slides/slide10.xml><?xml version="1.0" encoding="utf-8"?>
+<p:sld xmlns:a="http://schemas.openxmlformats.org/drawingml/2006/main" xmlns:r="http://schemas.openxmlformats.org/officeDocument/2006/relationships" xmlns:p="http://schemas.openxmlformats.org/presentationml/2006/main">
+  <p:cSld>
+    <p:spTree>
+      <p:nvGrpSpPr>
+        <p:cNvPr id="1" name=""/>
+        <p:cNvGrpSpPr/>
+        <p:nvPr/>
+      </p:nvGrpSpPr>
+      <p:grpSpPr>
+        <a:xfrm>
+          <a:off x="0" y="0"/>
+          <a:ext cx="0" cy="0"/>
+          <a:chOff x="0" y="0"/>
+          <a:chExt cx="0" cy="0"/>
+        </a:xfrm>
+      </p:grpSpPr>
+      <p:sp>
+        <p:nvSpPr>
+          <p:cNvPr id="2" name="Titel 1">
+            <a:extLst>
+              <a:ext uri="{FF2B5EF4-FFF2-40B4-BE49-F238E27FC236}">
+                <a16:creationId xmlns:a16="http://schemas.microsoft.com/office/drawing/2014/main" id="{EEB3B3A1-55EF-117C-A09F-69F361AA8253}"/>
+              </a:ext>
+            </a:extLst>
+          </p:cNvPr>
+          <p:cNvSpPr>
+            <a:spLocks noGrp="1"/>
+          </p:cNvSpPr>
+          <p:nvPr>
+            <p:ph type="title"/>
+          </p:nvPr>
+        </p:nvSpPr>
+        <p:spPr/>
+        <p:txBody>
+          <a:bodyPr/>
+          <a:lstStyle/>
+          <a:p>
+            <a:r>
+              <a:rPr lang="de-DE" dirty="0"/>
+              <a:t>Create a </a:t>
+            </a:r>
+            <a:r>
+              <a:rPr lang="de-DE" dirty="0" err="1"/>
+              <a:t>custom</a:t>
+            </a:r>
+            <a:r>
+              <a:rPr lang="de-DE" dirty="0"/>
+              <a:t> </a:t>
+            </a:r>
+            <a:r>
+              <a:rPr lang="de-DE" dirty="0" err="1"/>
+              <a:t>entity</a:t>
+            </a:r>
+            <a:endParaRPr lang="de-DE" dirty="0"/>
+          </a:p>
+        </p:txBody>
+      </p:sp>
+      <p:sp>
+        <p:nvSpPr>
+          <p:cNvPr id="6" name="Inhaltsplatzhalter 5">
+            <a:extLst>
+              <a:ext uri="{FF2B5EF4-FFF2-40B4-BE49-F238E27FC236}">
+                <a16:creationId xmlns:a16="http://schemas.microsoft.com/office/drawing/2014/main" id="{C400ECB4-BAAD-3151-7226-9E6C0CD052A6}"/>
+              </a:ext>
+            </a:extLst>
+          </p:cNvPr>
+          <p:cNvSpPr>
+            <a:spLocks noGrp="1"/>
+          </p:cNvSpPr>
+          <p:nvPr>
+            <p:ph idx="1"/>
+          </p:nvPr>
+        </p:nvSpPr>
+        <p:spPr/>
+        <p:txBody>
+          <a:bodyPr/>
+          <a:lstStyle/>
+          <a:p>
+            <a:r>
+              <a:rPr lang="de-DE" dirty="0"/>
+              <a:t>New </a:t>
+            </a:r>
+            <a:r>
+              <a:rPr lang="de-DE" dirty="0" err="1"/>
+              <a:t>annotation</a:t>
+            </a:r>
+            <a:r>
+              <a:rPr lang="de-DE" dirty="0"/>
+              <a:t>: </a:t>
+            </a:r>
+            <a:r>
+              <a:rPr lang="de-DE" dirty="0" err="1"/>
+              <a:t>implemented</a:t>
+            </a:r>
+            <a:r>
+              <a:rPr lang="de-DE" dirty="0"/>
+              <a:t> </a:t>
+            </a:r>
+            <a:r>
+              <a:rPr lang="de-DE" dirty="0" err="1"/>
+              <a:t>by</a:t>
+            </a:r>
+            <a:r>
+              <a:rPr lang="de-DE" dirty="0"/>
+              <a:t> ABAP </a:t>
+            </a:r>
+            <a:r>
+              <a:rPr lang="de-DE" dirty="0" err="1"/>
+              <a:t>class</a:t>
+            </a:r>
+            <a:endParaRPr lang="de-DE" dirty="0"/>
+          </a:p>
+          <a:p>
+            <a:endParaRPr lang="de-DE" dirty="0"/>
+          </a:p>
+          <a:p>
+            <a:endParaRPr lang="de-DE" dirty="0"/>
+          </a:p>
+          <a:p>
+            <a:endParaRPr lang="de-DE" dirty="0"/>
+          </a:p>
+          <a:p>
+            <a:r>
+              <a:rPr lang="de-DE" dirty="0" err="1"/>
+              <a:t>Excercise</a:t>
+            </a:r>
+            <a:r>
+              <a:rPr lang="de-DE" dirty="0"/>
+              <a:t>: </a:t>
+            </a:r>
+            <a:br>
+              <a:rPr lang="de-DE" dirty="0"/>
+            </a:br>
+            <a:r>
+              <a:rPr lang="de-DE" dirty="0" err="1"/>
+              <a:t>create</a:t>
+            </a:r>
+            <a:r>
+              <a:rPr lang="de-DE" dirty="0"/>
+              <a:t> a </a:t>
+            </a:r>
+            <a:r>
+              <a:rPr lang="de-DE" dirty="0" err="1"/>
+              <a:t>metadata</a:t>
+            </a:r>
+            <a:r>
+              <a:rPr lang="de-DE" dirty="0"/>
+              <a:t> </a:t>
+            </a:r>
+            <a:r>
+              <a:rPr lang="de-DE" dirty="0" err="1"/>
+              <a:t>extension</a:t>
+            </a:r>
+            <a:r>
+              <a:rPr lang="de-DE" dirty="0"/>
+              <a:t> </a:t>
+            </a:r>
+            <a:br>
+              <a:rPr lang="de-DE" dirty="0"/>
+            </a:br>
+            <a:r>
+              <a:rPr lang="de-DE" dirty="0"/>
+              <a:t>and outsource </a:t>
+            </a:r>
+            <a:r>
+              <a:rPr lang="de-DE" dirty="0" err="1"/>
+              <a:t>metadata</a:t>
+            </a:r>
+            <a:r>
+              <a:rPr lang="de-DE" dirty="0"/>
+              <a:t>.</a:t>
+            </a:r>
+          </a:p>
+          <a:p>
+            <a:endParaRPr lang="de-DE" dirty="0"/>
+          </a:p>
+        </p:txBody>
+      </p:sp>
+      <p:pic>
+        <p:nvPicPr>
+          <p:cNvPr id="7" name="Grafik 6">
+            <a:extLst>
+              <a:ext uri="{FF2B5EF4-FFF2-40B4-BE49-F238E27FC236}">
+                <a16:creationId xmlns:a16="http://schemas.microsoft.com/office/drawing/2014/main" id="{8C64605E-AB01-3AE4-E7A9-E6901B99DDFC}"/>
+              </a:ext>
+            </a:extLst>
+          </p:cNvPr>
+          <p:cNvPicPr>
+            <a:picLocks noChangeAspect="1"/>
+          </p:cNvPicPr>
+          <p:nvPr/>
+        </p:nvPicPr>
+        <p:blipFill>
+          <a:blip r:embed="rId2"/>
+          <a:stretch>
+            <a:fillRect/>
+          </a:stretch>
+        </p:blipFill>
+        <p:spPr>
+          <a:xfrm>
+            <a:off x="1109317" y="2362200"/>
+            <a:ext cx="4699000" cy="1066800"/>
+          </a:xfrm>
+          <a:prstGeom prst="rect">
+            <a:avLst/>
+          </a:prstGeom>
+        </p:spPr>
+      </p:pic>
+      <p:pic>
+        <p:nvPicPr>
+          <p:cNvPr id="8" name="Grafik 7">
+            <a:extLst>
+              <a:ext uri="{FF2B5EF4-FFF2-40B4-BE49-F238E27FC236}">
+                <a16:creationId xmlns:a16="http://schemas.microsoft.com/office/drawing/2014/main" id="{69F232B7-0E94-B360-72BE-AE4D5E7089FE}"/>
+              </a:ext>
+            </a:extLst>
+          </p:cNvPr>
+          <p:cNvPicPr>
+            <a:picLocks noChangeAspect="1"/>
+          </p:cNvPicPr>
+          <p:nvPr/>
+        </p:nvPicPr>
+        <p:blipFill>
+          <a:blip r:embed="rId3"/>
+          <a:stretch>
+            <a:fillRect/>
+          </a:stretch>
+        </p:blipFill>
+        <p:spPr>
+          <a:xfrm>
+            <a:off x="6096000" y="2362200"/>
+            <a:ext cx="3204102" cy="4130675"/>
+          </a:xfrm>
+          <a:prstGeom prst="rect">
+            <a:avLst/>
+          </a:prstGeom>
+        </p:spPr>
+      </p:pic>
+    </p:spTree>
+    <p:extLst>
+      <p:ext uri="{BB962C8B-B14F-4D97-AF65-F5344CB8AC3E}">
+        <p14:creationId xmlns:p14="http://schemas.microsoft.com/office/powerpoint/2010/main" val="3746770809"/>
+      </p:ext>
+    </p:extLst>
+  </p:cSld>
+  <p:clrMapOvr>
+    <a:masterClrMapping/>
+  </p:clrMapOvr>
+</p:sld>
+</file>
+
+<file path=ppt/slides/slide11.xml><?xml version="1.0" encoding="utf-8"?>
+<p:sld xmlns:a="http://schemas.openxmlformats.org/drawingml/2006/main" xmlns:r="http://schemas.openxmlformats.org/officeDocument/2006/relationships" xmlns:p="http://schemas.openxmlformats.org/presentationml/2006/main">
+  <p:cSld>
+    <p:spTree>
+      <p:nvGrpSpPr>
+        <p:cNvPr id="1" name=""/>
+        <p:cNvGrpSpPr/>
+        <p:nvPr/>
+      </p:nvGrpSpPr>
+      <p:grpSpPr>
+        <a:xfrm>
+          <a:off x="0" y="0"/>
+          <a:ext cx="0" cy="0"/>
+          <a:chOff x="0" y="0"/>
+          <a:chExt cx="0" cy="0"/>
+        </a:xfrm>
+      </p:grpSpPr>
+      <p:sp>
+        <p:nvSpPr>
+          <p:cNvPr id="2" name="Titel 1">
+            <a:extLst>
+              <a:ext uri="{FF2B5EF4-FFF2-40B4-BE49-F238E27FC236}">
+                <a16:creationId xmlns:a16="http://schemas.microsoft.com/office/drawing/2014/main" id="{F29DDE0D-039A-AC77-4496-CA18A7D0AEA0}"/>
+              </a:ext>
+            </a:extLst>
+          </p:cNvPr>
+          <p:cNvSpPr>
+            <a:spLocks noGrp="1"/>
+          </p:cNvSpPr>
+          <p:nvPr>
+            <p:ph type="title"/>
+          </p:nvPr>
+        </p:nvSpPr>
+        <p:spPr/>
+        <p:txBody>
+          <a:bodyPr/>
+          <a:lstStyle/>
+          <a:p>
+            <a:r>
+              <a:rPr lang="de-DE" dirty="0"/>
+              <a:t>Create Service Definition</a:t>
+            </a:r>
+          </a:p>
+        </p:txBody>
+      </p:sp>
+      <p:pic>
+        <p:nvPicPr>
+          <p:cNvPr id="4" name="Inhaltsplatzhalter 3">
+            <a:extLst>
+              <a:ext uri="{FF2B5EF4-FFF2-40B4-BE49-F238E27FC236}">
+                <a16:creationId xmlns:a16="http://schemas.microsoft.com/office/drawing/2014/main" id="{9EA2632F-F5BF-53BE-69D4-63E78F9FA478}"/>
+              </a:ext>
+            </a:extLst>
+          </p:cNvPr>
+          <p:cNvPicPr>
+            <a:picLocks noGrp="1" noChangeAspect="1"/>
+          </p:cNvPicPr>
+          <p:nvPr>
+            <p:ph idx="1"/>
+          </p:nvPr>
+        </p:nvPicPr>
+        <p:blipFill>
+          <a:blip r:embed="rId2"/>
+          <a:stretch>
+            <a:fillRect/>
+          </a:stretch>
+        </p:blipFill>
+        <p:spPr>
+          <a:xfrm>
+            <a:off x="2844800" y="2083594"/>
+            <a:ext cx="6502400" cy="3835400"/>
+          </a:xfrm>
+          <a:prstGeom prst="rect">
+            <a:avLst/>
+          </a:prstGeom>
+        </p:spPr>
+      </p:pic>
+    </p:spTree>
+    <p:extLst>
+      <p:ext uri="{BB962C8B-B14F-4D97-AF65-F5344CB8AC3E}">
+        <p14:creationId xmlns:p14="http://schemas.microsoft.com/office/powerpoint/2010/main" val="2839192641"/>
+      </p:ext>
+    </p:extLst>
+  </p:cSld>
+  <p:clrMapOvr>
+    <a:masterClrMapping/>
+  </p:clrMapOvr>
+</p:sld>
+</file>
+
+<file path=ppt/slides/slide12.xml><?xml version="1.0" encoding="utf-8"?>
+<p:sld xmlns:a="http://schemas.openxmlformats.org/drawingml/2006/main" xmlns:r="http://schemas.openxmlformats.org/officeDocument/2006/relationships" xmlns:p="http://schemas.openxmlformats.org/presentationml/2006/main">
+  <p:cSld>
+    <p:spTree>
+      <p:nvGrpSpPr>
+        <p:cNvPr id="1" name=""/>
+        <p:cNvGrpSpPr/>
+        <p:nvPr/>
+      </p:nvGrpSpPr>
+      <p:grpSpPr>
+        <a:xfrm>
+          <a:off x="0" y="0"/>
+          <a:ext cx="0" cy="0"/>
+          <a:chOff x="0" y="0"/>
+          <a:chExt cx="0" cy="0"/>
+        </a:xfrm>
+      </p:grpSpPr>
+      <p:sp>
+        <p:nvSpPr>
+          <p:cNvPr id="2" name="Titel 1">
+            <a:extLst>
+              <a:ext uri="{FF2B5EF4-FFF2-40B4-BE49-F238E27FC236}">
+                <a16:creationId xmlns:a16="http://schemas.microsoft.com/office/drawing/2014/main" id="{34C7A8B6-7162-3B1F-0E2D-383DDF4ABB56}"/>
+              </a:ext>
+            </a:extLst>
+          </p:cNvPr>
+          <p:cNvSpPr>
+            <a:spLocks noGrp="1"/>
+          </p:cNvSpPr>
+          <p:nvPr>
+            <p:ph type="title"/>
+          </p:nvPr>
+        </p:nvSpPr>
+        <p:spPr/>
+        <p:txBody>
+          <a:bodyPr/>
+          <a:lstStyle/>
+          <a:p>
+            <a:r>
+              <a:rPr lang="de-DE" dirty="0"/>
+              <a:t>Create, </a:t>
+            </a:r>
+            <a:r>
+              <a:rPr lang="de-DE" dirty="0" err="1"/>
+              <a:t>activate</a:t>
+            </a:r>
+            <a:r>
+              <a:rPr lang="de-DE" dirty="0"/>
+              <a:t> and publish </a:t>
+            </a:r>
+            <a:r>
+              <a:rPr lang="de-DE" dirty="0" err="1"/>
+              <a:t>service</a:t>
+            </a:r>
+            <a:r>
+              <a:rPr lang="de-DE" dirty="0"/>
+              <a:t> </a:t>
+            </a:r>
+            <a:r>
+              <a:rPr lang="de-DE" dirty="0" err="1"/>
+              <a:t>binding</a:t>
+            </a:r>
+            <a:endParaRPr lang="de-DE" dirty="0"/>
+          </a:p>
+        </p:txBody>
+      </p:sp>
+      <p:pic>
+        <p:nvPicPr>
+          <p:cNvPr id="4" name="Grafik 3">
+            <a:extLst>
+              <a:ext uri="{FF2B5EF4-FFF2-40B4-BE49-F238E27FC236}">
+                <a16:creationId xmlns:a16="http://schemas.microsoft.com/office/drawing/2014/main" id="{A66677CA-ADEB-74F8-C4F5-EEA0E07FE8B3}"/>
+              </a:ext>
+            </a:extLst>
+          </p:cNvPr>
+          <p:cNvPicPr>
+            <a:picLocks noChangeAspect="1"/>
+          </p:cNvPicPr>
+          <p:nvPr/>
+        </p:nvPicPr>
+        <p:blipFill>
+          <a:blip r:embed="rId2"/>
+          <a:stretch>
+            <a:fillRect/>
+          </a:stretch>
+        </p:blipFill>
+        <p:spPr>
+          <a:xfrm>
+            <a:off x="2209800" y="1690688"/>
+            <a:ext cx="7772400" cy="4256647"/>
+          </a:xfrm>
+          <a:prstGeom prst="rect">
+            <a:avLst/>
+          </a:prstGeom>
+        </p:spPr>
+      </p:pic>
+    </p:spTree>
+    <p:extLst>
+      <p:ext uri="{BB962C8B-B14F-4D97-AF65-F5344CB8AC3E}">
+        <p14:creationId xmlns:p14="http://schemas.microsoft.com/office/powerpoint/2010/main" val="2350395093"/>
+      </p:ext>
+    </p:extLst>
+  </p:cSld>
+  <p:clrMapOvr>
+    <a:masterClrMapping/>
+  </p:clrMapOvr>
+</p:sld>
+</file>
+
 <file path=ppt/slides/slide2.xml><?xml version="1.0" encoding="utf-8"?>
 <p:sld xmlns:a="http://schemas.openxmlformats.org/drawingml/2006/main" xmlns:r="http://schemas.openxmlformats.org/officeDocument/2006/relationships" xmlns:p="http://schemas.openxmlformats.org/presentationml/2006/main">
   <p:cSld>
@@ -4982,15 +5439,15 @@
           <p:cNvPr id="2" name="Titel 1">
             <a:extLst>
               <a:ext uri="{FF2B5EF4-FFF2-40B4-BE49-F238E27FC236}">
-                <a16:creationId xmlns:a16="http://schemas.microsoft.com/office/drawing/2014/main" id="{9144D0FA-97E2-F4E7-C22D-AA6B7BCC1D5E}"/>
-              </a:ext>
-            </a:extLst>
-          </p:cNvPr>
-          <p:cNvSpPr>
-            <a:spLocks noGrp="1"/>
-          </p:cNvSpPr>
-          <p:nvPr>
-            <p:ph type="title"/>
+                <a16:creationId xmlns:a16="http://schemas.microsoft.com/office/drawing/2014/main" id="{239F489C-697B-2DA2-1F06-2C5F239F8EC1}"/>
+              </a:ext>
+            </a:extLst>
+          </p:cNvPr>
+          <p:cNvSpPr>
+            <a:spLocks noGrp="1"/>
+          </p:cNvSpPr>
+          <p:nvPr>
+            <p:ph type="ctrTitle"/>
           </p:nvPr>
         </p:nvSpPr>
         <p:spPr/>
@@ -4999,28 +5456,30 @@
           <a:lstStyle/>
           <a:p>
             <a:r>
-              <a:rPr lang="de-DE" dirty="0">
-                <a:latin typeface="Helvetica" pitchFamily="2" charset="0"/>
-              </a:rPr>
-              <a:t>Create Query Provider Class</a:t>
-            </a:r>
-          </a:p>
-        </p:txBody>
-      </p:sp>
-      <p:sp>
-        <p:nvSpPr>
-          <p:cNvPr id="6" name="Inhaltsplatzhalter 5">
-            <a:extLst>
-              <a:ext uri="{FF2B5EF4-FFF2-40B4-BE49-F238E27FC236}">
-                <a16:creationId xmlns:a16="http://schemas.microsoft.com/office/drawing/2014/main" id="{A8B49D27-81F0-303A-1F8F-44A8D0DA7C2B}"/>
-              </a:ext>
-            </a:extLst>
-          </p:cNvPr>
-          <p:cNvSpPr>
-            <a:spLocks noGrp="1"/>
-          </p:cNvSpPr>
-          <p:nvPr>
-            <p:ph idx="1"/>
+              <a:rPr lang="de-DE" dirty="0" err="1"/>
+              <a:t>Consume</a:t>
+            </a:r>
+            <a:r>
+              <a:rPr lang="de-DE" dirty="0"/>
+              <a:t> ODATA Service</a:t>
+            </a:r>
+          </a:p>
+        </p:txBody>
+      </p:sp>
+      <p:sp>
+        <p:nvSpPr>
+          <p:cNvPr id="3" name="Untertitel 2">
+            <a:extLst>
+              <a:ext uri="{FF2B5EF4-FFF2-40B4-BE49-F238E27FC236}">
+                <a16:creationId xmlns:a16="http://schemas.microsoft.com/office/drawing/2014/main" id="{3459310A-DB35-B7D2-AB51-9A9E12F825DF}"/>
+              </a:ext>
+            </a:extLst>
+          </p:cNvPr>
+          <p:cNvSpPr>
+            <a:spLocks noGrp="1"/>
+          </p:cNvSpPr>
+          <p:nvPr>
+            <p:ph type="subTitle" idx="1"/>
           </p:nvPr>
         </p:nvSpPr>
         <p:spPr/>
@@ -5028,61 +5487,14 @@
           <a:bodyPr/>
           <a:lstStyle/>
           <a:p>
-            <a:r>
-              <a:rPr lang="de-DE" i="1" dirty="0">
-                <a:latin typeface="Helvetica" pitchFamily="2" charset="0"/>
-              </a:rPr>
-              <a:t>interface </a:t>
-            </a:r>
-            <a:r>
-              <a:rPr lang="de-DE" i="1" dirty="0" err="1">
-                <a:latin typeface="Helvetica" pitchFamily="2" charset="0"/>
-              </a:rPr>
-              <a:t>if_rap_query_provider</a:t>
-            </a:r>
-            <a:endParaRPr lang="de-DE" i="1" dirty="0">
-              <a:latin typeface="Helvetica" pitchFamily="2" charset="0"/>
-            </a:endParaRPr>
-          </a:p>
-          <a:p>
-            <a:endParaRPr lang="de-DE" dirty="0"/>
-          </a:p>
-        </p:txBody>
-      </p:sp>
-      <p:pic>
-        <p:nvPicPr>
-          <p:cNvPr id="7" name="Grafik 6">
-            <a:extLst>
-              <a:ext uri="{FF2B5EF4-FFF2-40B4-BE49-F238E27FC236}">
-                <a16:creationId xmlns:a16="http://schemas.microsoft.com/office/drawing/2014/main" id="{2EFF65B8-5972-4745-2C3F-23944C46F0E8}"/>
-              </a:ext>
-            </a:extLst>
-          </p:cNvPr>
-          <p:cNvPicPr>
-            <a:picLocks noChangeAspect="1"/>
-          </p:cNvPicPr>
-          <p:nvPr/>
-        </p:nvPicPr>
-        <p:blipFill>
-          <a:blip r:embed="rId2"/>
-          <a:stretch>
-            <a:fillRect/>
-          </a:stretch>
-        </p:blipFill>
-        <p:spPr>
-          <a:xfrm>
-            <a:off x="3556552" y="2343788"/>
-            <a:ext cx="5078896" cy="4268519"/>
-          </a:xfrm>
-          <a:prstGeom prst="rect">
-            <a:avLst/>
-          </a:prstGeom>
-        </p:spPr>
-      </p:pic>
+            <a:endParaRPr lang="de-DE"/>
+          </a:p>
+        </p:txBody>
+      </p:sp>
     </p:spTree>
     <p:extLst>
       <p:ext uri="{BB962C8B-B14F-4D97-AF65-F5344CB8AC3E}">
-        <p14:creationId xmlns:p14="http://schemas.microsoft.com/office/powerpoint/2010/main" val="1055560850"/>
+        <p14:creationId xmlns:p14="http://schemas.microsoft.com/office/powerpoint/2010/main" val="2314034768"/>
       </p:ext>
     </p:extLst>
   </p:cSld>
@@ -5114,7 +5526,7 @@
           <p:cNvPr id="2" name="Titel 1">
             <a:extLst>
               <a:ext uri="{FF2B5EF4-FFF2-40B4-BE49-F238E27FC236}">
-                <a16:creationId xmlns:a16="http://schemas.microsoft.com/office/drawing/2014/main" id="{EEB3B3A1-55EF-117C-A09F-69F361AA8253}"/>
+                <a16:creationId xmlns:a16="http://schemas.microsoft.com/office/drawing/2014/main" id="{2D318FB5-500B-A179-F89B-B88A42DB7808}"/>
               </a:ext>
             </a:extLst>
           </p:cNvPr>
@@ -5132,158 +5544,34 @@
           <a:p>
             <a:r>
               <a:rPr lang="de-DE" dirty="0"/>
-              <a:t>Create a </a:t>
+              <a:t>Create </a:t>
             </a:r>
             <a:r>
               <a:rPr lang="de-DE" dirty="0" err="1"/>
-              <a:t>custom</a:t>
+              <a:t>Consumption</a:t>
             </a:r>
             <a:r>
               <a:rPr lang="de-DE" dirty="0"/>
-              <a:t> </a:t>
-            </a:r>
-            <a:r>
-              <a:rPr lang="de-DE" dirty="0" err="1"/>
-              <a:t>entity</a:t>
-            </a:r>
-            <a:endParaRPr lang="de-DE" dirty="0"/>
-          </a:p>
-        </p:txBody>
-      </p:sp>
-      <p:sp>
-        <p:nvSpPr>
-          <p:cNvPr id="6" name="Inhaltsplatzhalter 5">
-            <a:extLst>
-              <a:ext uri="{FF2B5EF4-FFF2-40B4-BE49-F238E27FC236}">
-                <a16:creationId xmlns:a16="http://schemas.microsoft.com/office/drawing/2014/main" id="{C400ECB4-BAAD-3151-7226-9E6C0CD052A6}"/>
-              </a:ext>
-            </a:extLst>
-          </p:cNvPr>
-          <p:cNvSpPr>
-            <a:spLocks noGrp="1"/>
-          </p:cNvSpPr>
-          <p:nvPr>
-            <p:ph idx="1"/>
-          </p:nvPr>
-        </p:nvSpPr>
-        <p:spPr/>
-        <p:txBody>
-          <a:bodyPr/>
-          <a:lstStyle/>
-          <a:p>
-            <a:r>
-              <a:rPr lang="de-DE" dirty="0"/>
-              <a:t>New </a:t>
-            </a:r>
-            <a:r>
-              <a:rPr lang="de-DE" dirty="0" err="1"/>
-              <a:t>annotation</a:t>
-            </a:r>
-            <a:r>
-              <a:rPr lang="de-DE" dirty="0"/>
-              <a:t>: </a:t>
-            </a:r>
-            <a:r>
-              <a:rPr lang="de-DE" dirty="0" err="1"/>
-              <a:t>implemented</a:t>
-            </a:r>
-            <a:r>
-              <a:rPr lang="de-DE" dirty="0"/>
-              <a:t> </a:t>
-            </a:r>
-            <a:r>
-              <a:rPr lang="de-DE" dirty="0" err="1"/>
-              <a:t>by</a:t>
-            </a:r>
-            <a:r>
-              <a:rPr lang="de-DE" dirty="0"/>
-              <a:t> ABAP </a:t>
-            </a:r>
-            <a:r>
-              <a:rPr lang="de-DE" dirty="0" err="1"/>
-              <a:t>class</a:t>
-            </a:r>
-            <a:endParaRPr lang="de-DE" dirty="0"/>
-          </a:p>
-          <a:p>
-            <a:endParaRPr lang="de-DE" dirty="0"/>
-          </a:p>
-          <a:p>
-            <a:endParaRPr lang="de-DE" dirty="0"/>
-          </a:p>
-          <a:p>
-            <a:endParaRPr lang="de-DE" dirty="0"/>
-          </a:p>
-          <a:p>
-            <a:r>
-              <a:rPr lang="de-DE" dirty="0" err="1"/>
-              <a:t>Excercise</a:t>
-            </a:r>
-            <a:r>
-              <a:rPr lang="de-DE" dirty="0"/>
-              <a:t>: </a:t>
-            </a:r>
-            <a:br>
-              <a:rPr lang="de-DE" dirty="0"/>
-            </a:br>
-            <a:r>
-              <a:rPr lang="de-DE" dirty="0" err="1"/>
-              <a:t>create</a:t>
-            </a:r>
-            <a:r>
-              <a:rPr lang="de-DE" dirty="0"/>
-              <a:t> a </a:t>
-            </a:r>
-            <a:r>
-              <a:rPr lang="de-DE" dirty="0" err="1"/>
-              <a:t>metadata</a:t>
-            </a:r>
-            <a:r>
-              <a:rPr lang="de-DE" dirty="0"/>
-              <a:t> </a:t>
-            </a:r>
-            <a:r>
-              <a:rPr lang="de-DE" dirty="0" err="1"/>
-              <a:t>extension</a:t>
-            </a:r>
-            <a:r>
-              <a:rPr lang="de-DE" dirty="0"/>
-              <a:t> </a:t>
-            </a:r>
-            <a:br>
-              <a:rPr lang="de-DE" dirty="0"/>
-            </a:br>
-            <a:r>
-              <a:rPr lang="de-DE" dirty="0"/>
-              <a:t>and outsource </a:t>
-            </a:r>
-            <a:r>
-              <a:rPr lang="de-DE" dirty="0" err="1"/>
-              <a:t>metadata</a:t>
-            </a:r>
-            <a:r>
-              <a:rPr lang="de-DE" dirty="0"/>
-              <a:t>.</a:t>
-            </a:r>
-          </a:p>
-          <a:p>
-            <a:endParaRPr lang="de-DE" dirty="0"/>
+              <a:t> Model</a:t>
+            </a:r>
           </a:p>
         </p:txBody>
       </p:sp>
       <p:pic>
         <p:nvPicPr>
-          <p:cNvPr id="7" name="Grafik 6">
-            <a:extLst>
-              <a:ext uri="{FF2B5EF4-FFF2-40B4-BE49-F238E27FC236}">
-                <a16:creationId xmlns:a16="http://schemas.microsoft.com/office/drawing/2014/main" id="{8C64605E-AB01-3AE4-E7A9-E6901B99DDFC}"/>
+          <p:cNvPr id="4" name="Inhaltsplatzhalter 3">
+            <a:extLst>
+              <a:ext uri="{FF2B5EF4-FFF2-40B4-BE49-F238E27FC236}">
+                <a16:creationId xmlns:a16="http://schemas.microsoft.com/office/drawing/2014/main" id="{CA1BCD60-D5D8-38E6-0473-73F5E6C77192}"/>
               </a:ext>
             </a:extLst>
           </p:cNvPr>
           <p:cNvPicPr>
-            <a:picLocks noChangeAspect="1"/>
+            <a:picLocks noGrp="1" noChangeAspect="1"/>
           </p:cNvPicPr>
-          <p:nvPr/>
+          <p:nvPr>
+            <p:ph idx="1"/>
+          </p:nvPr>
         </p:nvPicPr>
         <p:blipFill>
           <a:blip r:embed="rId2"/>
@@ -5293,38 +5581,8 @@
         </p:blipFill>
         <p:spPr>
           <a:xfrm>
-            <a:off x="1109317" y="2362200"/>
-            <a:ext cx="4699000" cy="1066800"/>
-          </a:xfrm>
-          <a:prstGeom prst="rect">
-            <a:avLst/>
-          </a:prstGeom>
-        </p:spPr>
-      </p:pic>
-      <p:pic>
-        <p:nvPicPr>
-          <p:cNvPr id="8" name="Grafik 7">
-            <a:extLst>
-              <a:ext uri="{FF2B5EF4-FFF2-40B4-BE49-F238E27FC236}">
-                <a16:creationId xmlns:a16="http://schemas.microsoft.com/office/drawing/2014/main" id="{69F232B7-0E94-B360-72BE-AE4D5E7089FE}"/>
-              </a:ext>
-            </a:extLst>
-          </p:cNvPr>
-          <p:cNvPicPr>
-            <a:picLocks noChangeAspect="1"/>
-          </p:cNvPicPr>
-          <p:nvPr/>
-        </p:nvPicPr>
-        <p:blipFill>
-          <a:blip r:embed="rId3"/>
-          <a:stretch>
-            <a:fillRect/>
-          </a:stretch>
-        </p:blipFill>
-        <p:spPr>
-          <a:xfrm>
-            <a:off x="6096000" y="2362200"/>
-            <a:ext cx="3204102" cy="4130675"/>
+            <a:off x="3017323" y="1825625"/>
+            <a:ext cx="6157354" cy="4351338"/>
           </a:xfrm>
           <a:prstGeom prst="rect">
             <a:avLst/>
@@ -5334,7 +5592,7 @@
     </p:spTree>
     <p:extLst>
       <p:ext uri="{BB962C8B-B14F-4D97-AF65-F5344CB8AC3E}">
-        <p14:creationId xmlns:p14="http://schemas.microsoft.com/office/powerpoint/2010/main" val="3746770809"/>
+        <p14:creationId xmlns:p14="http://schemas.microsoft.com/office/powerpoint/2010/main" val="608473291"/>
       </p:ext>
     </p:extLst>
   </p:cSld>
@@ -5363,10 +5621,10 @@
       </p:grpSpPr>
       <p:sp>
         <p:nvSpPr>
-          <p:cNvPr id="2" name="Titel 1">
-            <a:extLst>
-              <a:ext uri="{FF2B5EF4-FFF2-40B4-BE49-F238E27FC236}">
-                <a16:creationId xmlns:a16="http://schemas.microsoft.com/office/drawing/2014/main" id="{F29DDE0D-039A-AC77-4496-CA18A7D0AEA0}"/>
+          <p:cNvPr id="5" name="Titel 4">
+            <a:extLst>
+              <a:ext uri="{FF2B5EF4-FFF2-40B4-BE49-F238E27FC236}">
+                <a16:creationId xmlns:a16="http://schemas.microsoft.com/office/drawing/2014/main" id="{632505EF-7670-7EA9-BCD9-289D7EE789A1}"/>
               </a:ext>
             </a:extLst>
           </p:cNvPr>
@@ -5382,39 +5640,665 @@
           <a:bodyPr/>
           <a:lstStyle/>
           <a:p>
-            <a:endParaRPr lang="de-DE"/>
-          </a:p>
-        </p:txBody>
-      </p:sp>
-      <p:sp>
-        <p:nvSpPr>
-          <p:cNvPr id="3" name="Inhaltsplatzhalter 2">
-            <a:extLst>
-              <a:ext uri="{FF2B5EF4-FFF2-40B4-BE49-F238E27FC236}">
-                <a16:creationId xmlns:a16="http://schemas.microsoft.com/office/drawing/2014/main" id="{2F4F3FC9-E99D-EF55-F0CF-D7D0FCE5BEA1}"/>
-              </a:ext>
-            </a:extLst>
-          </p:cNvPr>
-          <p:cNvSpPr>
-            <a:spLocks noGrp="1"/>
-          </p:cNvSpPr>
+            <a:r>
+              <a:rPr lang="de-DE" dirty="0"/>
+              <a:t>Create </a:t>
+            </a:r>
+            <a:r>
+              <a:rPr lang="de-DE" dirty="0" err="1"/>
+              <a:t>Consumption</a:t>
+            </a:r>
+            <a:r>
+              <a:rPr lang="de-DE" dirty="0"/>
+              <a:t> Model</a:t>
+            </a:r>
+          </a:p>
+        </p:txBody>
+      </p:sp>
+      <p:pic>
+        <p:nvPicPr>
+          <p:cNvPr id="4" name="Inhaltsplatzhalter 3">
+            <a:extLst>
+              <a:ext uri="{FF2B5EF4-FFF2-40B4-BE49-F238E27FC236}">
+                <a16:creationId xmlns:a16="http://schemas.microsoft.com/office/drawing/2014/main" id="{C3765D0E-EDF3-F1CE-B139-9A5F84C98F44}"/>
+              </a:ext>
+            </a:extLst>
+          </p:cNvPr>
+          <p:cNvPicPr>
+            <a:picLocks noGrp="1" noChangeAspect="1"/>
+          </p:cNvPicPr>
           <p:nvPr>
             <p:ph idx="1"/>
           </p:nvPr>
+        </p:nvPicPr>
+        <p:blipFill>
+          <a:blip r:embed="rId2"/>
+          <a:stretch>
+            <a:fillRect/>
+          </a:stretch>
+        </p:blipFill>
+        <p:spPr>
+          <a:xfrm>
+            <a:off x="5183188" y="1138653"/>
+            <a:ext cx="6172200" cy="4571168"/>
+          </a:xfrm>
+          <a:prstGeom prst="rect">
+            <a:avLst/>
+          </a:prstGeom>
+        </p:spPr>
+      </p:pic>
+      <p:sp>
+        <p:nvSpPr>
+          <p:cNvPr id="6" name="Textplatzhalter 5">
+            <a:extLst>
+              <a:ext uri="{FF2B5EF4-FFF2-40B4-BE49-F238E27FC236}">
+                <a16:creationId xmlns:a16="http://schemas.microsoft.com/office/drawing/2014/main" id="{AB03FB48-3DE4-3FBA-1060-24FE049E6595}"/>
+              </a:ext>
+            </a:extLst>
+          </p:cNvPr>
+          <p:cNvSpPr>
+            <a:spLocks noGrp="1"/>
+          </p:cNvSpPr>
+          <p:nvPr>
+            <p:ph type="body" sz="half" idx="2"/>
+          </p:nvPr>
         </p:nvSpPr>
         <p:spPr/>
         <p:txBody>
           <a:bodyPr/>
           <a:lstStyle/>
           <a:p>
-            <a:endParaRPr lang="de-DE"/>
+            <a:r>
+              <a:rPr lang="de-DE" dirty="0" err="1"/>
+              <a:t>Consumption</a:t>
+            </a:r>
+            <a:r>
+              <a:rPr lang="de-DE" dirty="0"/>
+              <a:t> </a:t>
+            </a:r>
+            <a:r>
+              <a:rPr lang="de-DE" dirty="0" err="1"/>
+              <a:t>models</a:t>
+            </a:r>
+            <a:r>
+              <a:rPr lang="de-DE" dirty="0"/>
+              <a:t> </a:t>
+            </a:r>
+            <a:r>
+              <a:rPr lang="de-DE" dirty="0" err="1"/>
+              <a:t>are</a:t>
+            </a:r>
+            <a:r>
+              <a:rPr lang="de-DE" dirty="0"/>
+              <a:t> possible </a:t>
+            </a:r>
+            <a:r>
+              <a:rPr lang="de-DE" dirty="0" err="1"/>
+              <a:t>for</a:t>
+            </a:r>
+            <a:r>
+              <a:rPr lang="de-DE" dirty="0"/>
+              <a:t> </a:t>
+            </a:r>
+          </a:p>
+          <a:p>
+            <a:pPr marL="285750" indent="-285750">
+              <a:buFont typeface="Arial" panose="020B0604020202020204" pitchFamily="34" charset="0"/>
+              <a:buChar char="•"/>
+            </a:pPr>
+            <a:r>
+              <a:rPr lang="de-DE" dirty="0" err="1"/>
+              <a:t>Odata</a:t>
+            </a:r>
+            <a:endParaRPr lang="de-DE" dirty="0"/>
+          </a:p>
+          <a:p>
+            <a:pPr marL="285750" indent="-285750">
+              <a:buFont typeface="Arial" panose="020B0604020202020204" pitchFamily="34" charset="0"/>
+              <a:buChar char="•"/>
+            </a:pPr>
+            <a:r>
+              <a:rPr lang="de-DE" dirty="0"/>
+              <a:t>Web Services (SOAP)</a:t>
+            </a:r>
+          </a:p>
+          <a:p>
+            <a:pPr marL="285750" indent="-285750">
+              <a:buFont typeface="Arial" panose="020B0604020202020204" pitchFamily="34" charset="0"/>
+              <a:buChar char="•"/>
+            </a:pPr>
+            <a:r>
+              <a:rPr lang="de-DE" dirty="0"/>
+              <a:t>RFC.</a:t>
+            </a:r>
           </a:p>
         </p:txBody>
       </p:sp>
     </p:spTree>
     <p:extLst>
       <p:ext uri="{BB962C8B-B14F-4D97-AF65-F5344CB8AC3E}">
-        <p14:creationId xmlns:p14="http://schemas.microsoft.com/office/powerpoint/2010/main" val="2839192641"/>
+        <p14:creationId xmlns:p14="http://schemas.microsoft.com/office/powerpoint/2010/main" val="707432611"/>
+      </p:ext>
+    </p:extLst>
+  </p:cSld>
+  <p:clrMapOvr>
+    <a:masterClrMapping/>
+  </p:clrMapOvr>
+</p:sld>
+</file>
+
+<file path=ppt/slides/slide7.xml><?xml version="1.0" encoding="utf-8"?>
+<p:sld xmlns:a="http://schemas.openxmlformats.org/drawingml/2006/main" xmlns:r="http://schemas.openxmlformats.org/officeDocument/2006/relationships" xmlns:p="http://schemas.openxmlformats.org/presentationml/2006/main">
+  <p:cSld>
+    <p:spTree>
+      <p:nvGrpSpPr>
+        <p:cNvPr id="1" name=""/>
+        <p:cNvGrpSpPr/>
+        <p:nvPr/>
+      </p:nvGrpSpPr>
+      <p:grpSpPr>
+        <a:xfrm>
+          <a:off x="0" y="0"/>
+          <a:ext cx="0" cy="0"/>
+          <a:chOff x="0" y="0"/>
+          <a:chExt cx="0" cy="0"/>
+        </a:xfrm>
+      </p:grpSpPr>
+      <p:sp>
+        <p:nvSpPr>
+          <p:cNvPr id="7" name="Titel 6">
+            <a:extLst>
+              <a:ext uri="{FF2B5EF4-FFF2-40B4-BE49-F238E27FC236}">
+                <a16:creationId xmlns:a16="http://schemas.microsoft.com/office/drawing/2014/main" id="{1929E5AD-ECED-AE14-3E97-BC8A0F05EDC2}"/>
+              </a:ext>
+            </a:extLst>
+          </p:cNvPr>
+          <p:cNvSpPr>
+            <a:spLocks noGrp="1"/>
+          </p:cNvSpPr>
+          <p:nvPr>
+            <p:ph type="title"/>
+          </p:nvPr>
+        </p:nvSpPr>
+        <p:spPr/>
+        <p:txBody>
+          <a:bodyPr/>
+          <a:lstStyle/>
+          <a:p>
+            <a:r>
+              <a:rPr lang="de-DE" dirty="0" err="1"/>
+              <a:t>Example</a:t>
+            </a:r>
+            <a:r>
+              <a:rPr lang="de-DE" dirty="0"/>
+              <a:t> </a:t>
+            </a:r>
+            <a:r>
+              <a:rPr lang="de-DE" dirty="0" err="1"/>
+              <a:t>of</a:t>
+            </a:r>
+            <a:r>
+              <a:rPr lang="de-DE" dirty="0"/>
+              <a:t> </a:t>
+            </a:r>
+            <a:r>
+              <a:rPr lang="de-DE" dirty="0" err="1"/>
+              <a:t>consuming</a:t>
+            </a:r>
+            <a:r>
+              <a:rPr lang="de-DE" dirty="0"/>
+              <a:t> an ODATA</a:t>
+            </a:r>
+          </a:p>
+        </p:txBody>
+      </p:sp>
+      <p:sp>
+        <p:nvSpPr>
+          <p:cNvPr id="8" name="Inhaltsplatzhalter 7">
+            <a:extLst>
+              <a:ext uri="{FF2B5EF4-FFF2-40B4-BE49-F238E27FC236}">
+                <a16:creationId xmlns:a16="http://schemas.microsoft.com/office/drawing/2014/main" id="{338F122D-BC42-6379-D4CB-2AFAA0F88361}"/>
+              </a:ext>
+            </a:extLst>
+          </p:cNvPr>
+          <p:cNvSpPr>
+            <a:spLocks noGrp="1"/>
+          </p:cNvSpPr>
+          <p:nvPr>
+            <p:ph idx="1"/>
+          </p:nvPr>
+        </p:nvSpPr>
+        <p:spPr/>
+        <p:txBody>
+          <a:bodyPr/>
+          <a:lstStyle/>
+          <a:p>
+            <a:r>
+              <a:rPr lang="de-DE" dirty="0"/>
+              <a:t>Interface: </a:t>
+            </a:r>
+            <a:r>
+              <a:rPr lang="de-DE" b="1" i="0" u="none" strike="noStrike" dirty="0" err="1">
+                <a:solidFill>
+                  <a:srgbClr val="1F1F1F"/>
+                </a:solidFill>
+                <a:effectLst/>
+                <a:latin typeface="72 Brand Variable"/>
+              </a:rPr>
+              <a:t>if_oo_adt_classrun</a:t>
+            </a:r>
+            <a:endParaRPr lang="de-DE" b="1" i="0" u="none" strike="noStrike" dirty="0">
+              <a:solidFill>
+                <a:srgbClr val="1F1F1F"/>
+              </a:solidFill>
+              <a:effectLst/>
+              <a:latin typeface="72 Brand Variable"/>
+            </a:endParaRPr>
+          </a:p>
+          <a:p>
+            <a:r>
+              <a:rPr lang="de-DE" i="0" u="none" strike="noStrike" dirty="0">
+                <a:solidFill>
+                  <a:srgbClr val="1F1F1F"/>
+                </a:solidFill>
+                <a:effectLst/>
+                <a:latin typeface="72 Brand Variable"/>
+              </a:rPr>
+              <a:t>The type </a:t>
+            </a:r>
+            <a:r>
+              <a:rPr lang="de-DE" i="0" u="none" strike="noStrike" dirty="0" err="1">
+                <a:solidFill>
+                  <a:srgbClr val="1F1F1F"/>
+                </a:solidFill>
+                <a:effectLst/>
+                <a:latin typeface="72 Brand Variable"/>
+              </a:rPr>
+              <a:t>of</a:t>
+            </a:r>
+            <a:r>
+              <a:rPr lang="de-DE" i="0" u="none" strike="noStrike" dirty="0">
+                <a:solidFill>
+                  <a:srgbClr val="1F1F1F"/>
+                </a:solidFill>
+                <a:effectLst/>
+                <a:latin typeface="72 Brand Variable"/>
+              </a:rPr>
+              <a:t> ODATA </a:t>
+            </a:r>
+            <a:r>
+              <a:rPr lang="de-DE" i="0" u="none" strike="noStrike" dirty="0" err="1">
+                <a:solidFill>
+                  <a:srgbClr val="1F1F1F"/>
+                </a:solidFill>
+                <a:effectLst/>
+                <a:latin typeface="72 Brand Variable"/>
+              </a:rPr>
+              <a:t>structure</a:t>
+            </a:r>
+            <a:r>
+              <a:rPr lang="de-DE" i="0" u="none" strike="noStrike" dirty="0">
+                <a:solidFill>
+                  <a:srgbClr val="1F1F1F"/>
+                </a:solidFill>
+                <a:effectLst/>
+                <a:latin typeface="72 Brand Variable"/>
+              </a:rPr>
+              <a:t> </a:t>
+            </a:r>
+            <a:r>
+              <a:rPr lang="de-DE" i="0" u="none" strike="noStrike" dirty="0" err="1">
+                <a:solidFill>
+                  <a:srgbClr val="1F1F1F"/>
+                </a:solidFill>
+                <a:effectLst/>
+                <a:latin typeface="72 Brand Variable"/>
+              </a:rPr>
+              <a:t>is</a:t>
+            </a:r>
+            <a:r>
+              <a:rPr lang="de-DE" i="0" u="none" strike="noStrike" dirty="0">
+                <a:solidFill>
+                  <a:srgbClr val="1F1F1F"/>
+                </a:solidFill>
+                <a:effectLst/>
+                <a:latin typeface="72 Brand Variable"/>
+              </a:rPr>
+              <a:t> </a:t>
+            </a:r>
+            <a:r>
+              <a:rPr lang="de-DE" i="0" u="none" strike="noStrike" dirty="0" err="1">
+                <a:solidFill>
+                  <a:srgbClr val="1F1F1F"/>
+                </a:solidFill>
+                <a:effectLst/>
+                <a:latin typeface="72 Brand Variable"/>
+              </a:rPr>
+              <a:t>provided</a:t>
+            </a:r>
+            <a:r>
+              <a:rPr lang="de-DE" i="0" u="none" strike="noStrike" dirty="0">
+                <a:solidFill>
+                  <a:srgbClr val="1F1F1F"/>
+                </a:solidFill>
+                <a:effectLst/>
+                <a:latin typeface="72 Brand Variable"/>
+              </a:rPr>
+              <a:t> </a:t>
+            </a:r>
+            <a:r>
+              <a:rPr lang="de-DE" i="0" u="none" strike="noStrike" dirty="0" err="1">
+                <a:solidFill>
+                  <a:srgbClr val="1F1F1F"/>
+                </a:solidFill>
+                <a:effectLst/>
+                <a:latin typeface="72 Brand Variable"/>
+              </a:rPr>
+              <a:t>by</a:t>
+            </a:r>
+            <a:r>
+              <a:rPr lang="de-DE" i="0" u="none" strike="noStrike" dirty="0">
+                <a:solidFill>
+                  <a:srgbClr val="1F1F1F"/>
+                </a:solidFill>
+                <a:effectLst/>
+                <a:latin typeface="72 Brand Variable"/>
+              </a:rPr>
+              <a:t> </a:t>
+            </a:r>
+            <a:r>
+              <a:rPr lang="de-DE" i="0" u="none" strike="noStrike" dirty="0" err="1">
+                <a:solidFill>
+                  <a:srgbClr val="1F1F1F"/>
+                </a:solidFill>
+                <a:effectLst/>
+                <a:latin typeface="72 Brand Variable"/>
+              </a:rPr>
+              <a:t>the</a:t>
+            </a:r>
+            <a:r>
+              <a:rPr lang="de-DE" i="0" u="none" strike="noStrike" dirty="0">
+                <a:solidFill>
+                  <a:srgbClr val="1F1F1F"/>
+                </a:solidFill>
+                <a:effectLst/>
+                <a:latin typeface="72 Brand Variable"/>
+              </a:rPr>
+              <a:t> </a:t>
+            </a:r>
+            <a:r>
+              <a:rPr lang="de-DE" i="0" u="none" strike="noStrike" dirty="0" err="1">
+                <a:solidFill>
+                  <a:srgbClr val="1F1F1F"/>
+                </a:solidFill>
+                <a:effectLst/>
+                <a:latin typeface="72 Brand Variable"/>
+              </a:rPr>
+              <a:t>Consumption</a:t>
+            </a:r>
+            <a:r>
+              <a:rPr lang="de-DE" i="0" u="none" strike="noStrike" dirty="0">
+                <a:solidFill>
+                  <a:srgbClr val="1F1F1F"/>
+                </a:solidFill>
+                <a:effectLst/>
+                <a:latin typeface="72 Brand Variable"/>
+              </a:rPr>
+              <a:t> Model.</a:t>
+            </a:r>
+          </a:p>
+        </p:txBody>
+      </p:sp>
+      <p:pic>
+        <p:nvPicPr>
+          <p:cNvPr id="9" name="Grafik 8">
+            <a:extLst>
+              <a:ext uri="{FF2B5EF4-FFF2-40B4-BE49-F238E27FC236}">
+                <a16:creationId xmlns:a16="http://schemas.microsoft.com/office/drawing/2014/main" id="{959E7746-CECD-1CE6-7AD3-678F9C6EE42A}"/>
+              </a:ext>
+            </a:extLst>
+          </p:cNvPr>
+          <p:cNvPicPr>
+            <a:picLocks noChangeAspect="1"/>
+          </p:cNvPicPr>
+          <p:nvPr/>
+        </p:nvPicPr>
+        <p:blipFill>
+          <a:blip r:embed="rId2"/>
+          <a:stretch>
+            <a:fillRect/>
+          </a:stretch>
+        </p:blipFill>
+        <p:spPr>
+          <a:xfrm>
+            <a:off x="1136375" y="2906572"/>
+            <a:ext cx="7772400" cy="3037581"/>
+          </a:xfrm>
+          <a:prstGeom prst="rect">
+            <a:avLst/>
+          </a:prstGeom>
+        </p:spPr>
+      </p:pic>
+    </p:spTree>
+    <p:extLst>
+      <p:ext uri="{BB962C8B-B14F-4D97-AF65-F5344CB8AC3E}">
+        <p14:creationId xmlns:p14="http://schemas.microsoft.com/office/powerpoint/2010/main" val="1414795200"/>
+      </p:ext>
+    </p:extLst>
+  </p:cSld>
+  <p:clrMapOvr>
+    <a:masterClrMapping/>
+  </p:clrMapOvr>
+</p:sld>
+</file>
+
+<file path=ppt/slides/slide8.xml><?xml version="1.0" encoding="utf-8"?>
+<p:sld xmlns:a="http://schemas.openxmlformats.org/drawingml/2006/main" xmlns:r="http://schemas.openxmlformats.org/officeDocument/2006/relationships" xmlns:p="http://schemas.openxmlformats.org/presentationml/2006/main">
+  <p:cSld>
+    <p:spTree>
+      <p:nvGrpSpPr>
+        <p:cNvPr id="1" name=""/>
+        <p:cNvGrpSpPr/>
+        <p:nvPr/>
+      </p:nvGrpSpPr>
+      <p:grpSpPr>
+        <a:xfrm>
+          <a:off x="0" y="0"/>
+          <a:ext cx="0" cy="0"/>
+          <a:chOff x="0" y="0"/>
+          <a:chExt cx="0" cy="0"/>
+        </a:xfrm>
+      </p:grpSpPr>
+      <p:sp>
+        <p:nvSpPr>
+          <p:cNvPr id="2" name="Titel 1">
+            <a:extLst>
+              <a:ext uri="{FF2B5EF4-FFF2-40B4-BE49-F238E27FC236}">
+                <a16:creationId xmlns:a16="http://schemas.microsoft.com/office/drawing/2014/main" id="{239F489C-697B-2DA2-1F06-2C5F239F8EC1}"/>
+              </a:ext>
+            </a:extLst>
+          </p:cNvPr>
+          <p:cNvSpPr>
+            <a:spLocks noGrp="1"/>
+          </p:cNvSpPr>
+          <p:nvPr>
+            <p:ph type="ctrTitle"/>
+          </p:nvPr>
+        </p:nvSpPr>
+        <p:spPr/>
+        <p:txBody>
+          <a:bodyPr/>
+          <a:lstStyle/>
+          <a:p>
+            <a:r>
+              <a:rPr lang="de-DE" dirty="0" err="1"/>
+              <a:t>Excercise</a:t>
+            </a:r>
+            <a:endParaRPr lang="de-DE" dirty="0"/>
+          </a:p>
+        </p:txBody>
+      </p:sp>
+      <p:sp>
+        <p:nvSpPr>
+          <p:cNvPr id="3" name="Untertitel 2">
+            <a:extLst>
+              <a:ext uri="{FF2B5EF4-FFF2-40B4-BE49-F238E27FC236}">
+                <a16:creationId xmlns:a16="http://schemas.microsoft.com/office/drawing/2014/main" id="{3459310A-DB35-B7D2-AB51-9A9E12F825DF}"/>
+              </a:ext>
+            </a:extLst>
+          </p:cNvPr>
+          <p:cNvSpPr>
+            <a:spLocks noGrp="1"/>
+          </p:cNvSpPr>
+          <p:nvPr>
+            <p:ph type="subTitle" idx="1"/>
+          </p:nvPr>
+        </p:nvSpPr>
+        <p:spPr/>
+        <p:txBody>
+          <a:bodyPr/>
+          <a:lstStyle/>
+          <a:p>
+            <a:endParaRPr lang="de-DE"/>
+          </a:p>
+        </p:txBody>
+      </p:sp>
+    </p:spTree>
+    <p:extLst>
+      <p:ext uri="{BB962C8B-B14F-4D97-AF65-F5344CB8AC3E}">
+        <p14:creationId xmlns:p14="http://schemas.microsoft.com/office/powerpoint/2010/main" val="2071888657"/>
+      </p:ext>
+    </p:extLst>
+  </p:cSld>
+  <p:clrMapOvr>
+    <a:masterClrMapping/>
+  </p:clrMapOvr>
+</p:sld>
+</file>
+
+<file path=ppt/slides/slide9.xml><?xml version="1.0" encoding="utf-8"?>
+<p:sld xmlns:a="http://schemas.openxmlformats.org/drawingml/2006/main" xmlns:r="http://schemas.openxmlformats.org/officeDocument/2006/relationships" xmlns:p="http://schemas.openxmlformats.org/presentationml/2006/main">
+  <p:cSld>
+    <p:spTree>
+      <p:nvGrpSpPr>
+        <p:cNvPr id="1" name=""/>
+        <p:cNvGrpSpPr/>
+        <p:nvPr/>
+      </p:nvGrpSpPr>
+      <p:grpSpPr>
+        <a:xfrm>
+          <a:off x="0" y="0"/>
+          <a:ext cx="0" cy="0"/>
+          <a:chOff x="0" y="0"/>
+          <a:chExt cx="0" cy="0"/>
+        </a:xfrm>
+      </p:grpSpPr>
+      <p:sp>
+        <p:nvSpPr>
+          <p:cNvPr id="2" name="Titel 1">
+            <a:extLst>
+              <a:ext uri="{FF2B5EF4-FFF2-40B4-BE49-F238E27FC236}">
+                <a16:creationId xmlns:a16="http://schemas.microsoft.com/office/drawing/2014/main" id="{9144D0FA-97E2-F4E7-C22D-AA6B7BCC1D5E}"/>
+              </a:ext>
+            </a:extLst>
+          </p:cNvPr>
+          <p:cNvSpPr>
+            <a:spLocks noGrp="1"/>
+          </p:cNvSpPr>
+          <p:nvPr>
+            <p:ph type="title"/>
+          </p:nvPr>
+        </p:nvSpPr>
+        <p:spPr/>
+        <p:txBody>
+          <a:bodyPr/>
+          <a:lstStyle/>
+          <a:p>
+            <a:r>
+              <a:rPr lang="de-DE" dirty="0">
+                <a:latin typeface="Helvetica" pitchFamily="2" charset="0"/>
+              </a:rPr>
+              <a:t>Create Query Provider Class</a:t>
+            </a:r>
+          </a:p>
+        </p:txBody>
+      </p:sp>
+      <p:sp>
+        <p:nvSpPr>
+          <p:cNvPr id="6" name="Inhaltsplatzhalter 5">
+            <a:extLst>
+              <a:ext uri="{FF2B5EF4-FFF2-40B4-BE49-F238E27FC236}">
+                <a16:creationId xmlns:a16="http://schemas.microsoft.com/office/drawing/2014/main" id="{A8B49D27-81F0-303A-1F8F-44A8D0DA7C2B}"/>
+              </a:ext>
+            </a:extLst>
+          </p:cNvPr>
+          <p:cNvSpPr>
+            <a:spLocks noGrp="1"/>
+          </p:cNvSpPr>
+          <p:nvPr>
+            <p:ph idx="1"/>
+          </p:nvPr>
+        </p:nvSpPr>
+        <p:spPr/>
+        <p:txBody>
+          <a:bodyPr/>
+          <a:lstStyle/>
+          <a:p>
+            <a:r>
+              <a:rPr lang="de-DE" i="1" dirty="0">
+                <a:latin typeface="Helvetica" pitchFamily="2" charset="0"/>
+              </a:rPr>
+              <a:t>interface </a:t>
+            </a:r>
+            <a:r>
+              <a:rPr lang="de-DE" i="1" dirty="0" err="1">
+                <a:latin typeface="Helvetica" pitchFamily="2" charset="0"/>
+              </a:rPr>
+              <a:t>if_rap_query_provider</a:t>
+            </a:r>
+            <a:endParaRPr lang="de-DE" i="1" dirty="0">
+              <a:latin typeface="Helvetica" pitchFamily="2" charset="0"/>
+            </a:endParaRPr>
+          </a:p>
+          <a:p>
+            <a:endParaRPr lang="de-DE" dirty="0"/>
+          </a:p>
+        </p:txBody>
+      </p:sp>
+      <p:pic>
+        <p:nvPicPr>
+          <p:cNvPr id="7" name="Grafik 6">
+            <a:extLst>
+              <a:ext uri="{FF2B5EF4-FFF2-40B4-BE49-F238E27FC236}">
+                <a16:creationId xmlns:a16="http://schemas.microsoft.com/office/drawing/2014/main" id="{2EFF65B8-5972-4745-2C3F-23944C46F0E8}"/>
+              </a:ext>
+            </a:extLst>
+          </p:cNvPr>
+          <p:cNvPicPr>
+            <a:picLocks noChangeAspect="1"/>
+          </p:cNvPicPr>
+          <p:nvPr/>
+        </p:nvPicPr>
+        <p:blipFill>
+          <a:blip r:embed="rId2"/>
+          <a:stretch>
+            <a:fillRect/>
+          </a:stretch>
+        </p:blipFill>
+        <p:spPr>
+          <a:xfrm>
+            <a:off x="3556552" y="2343788"/>
+            <a:ext cx="5078896" cy="4268519"/>
+          </a:xfrm>
+          <a:prstGeom prst="rect">
+            <a:avLst/>
+          </a:prstGeom>
+        </p:spPr>
+      </p:pic>
+    </p:spTree>
+    <p:extLst>
+      <p:ext uri="{BB962C8B-B14F-4D97-AF65-F5344CB8AC3E}">
+        <p14:creationId xmlns:p14="http://schemas.microsoft.com/office/powerpoint/2010/main" val="1055560850"/>
       </p:ext>
     </p:extLst>
   </p:cSld>
